--- a/기획서/WA!/System/WA!_System_Puzzle_Shot.pptx
+++ b/기획서/WA!/System/WA!_System_Puzzle_Shot.pptx
@@ -236,7 +236,7 @@
           <a:p>
             <a:fld id="{6850ED6A-B844-465D-85AC-D7F08B78A103}" type="datetimeFigureOut">
               <a:rPr lang="ko-KR" altLang="en-US" smtClean="0"/>
-              <a:t>2020-08-03</a:t>
+              <a:t>2020-08-10</a:t>
             </a:fld>
             <a:endParaRPr lang="ko-KR" altLang="en-US"/>
           </a:p>
@@ -650,7 +650,7 @@
           <a:p>
             <a:fld id="{9660B7EA-EEC1-42A9-A8A7-7334B6F98EB4}" type="datetimeFigureOut">
               <a:rPr lang="ko-KR" altLang="en-US" smtClean="0"/>
-              <a:t>2020-08-03</a:t>
+              <a:t>2020-08-10</a:t>
             </a:fld>
             <a:endParaRPr lang="ko-KR" altLang="en-US"/>
           </a:p>
@@ -848,7 +848,7 @@
           <a:p>
             <a:fld id="{9660B7EA-EEC1-42A9-A8A7-7334B6F98EB4}" type="datetimeFigureOut">
               <a:rPr lang="ko-KR" altLang="en-US" smtClean="0"/>
-              <a:t>2020-08-03</a:t>
+              <a:t>2020-08-10</a:t>
             </a:fld>
             <a:endParaRPr lang="ko-KR" altLang="en-US"/>
           </a:p>
@@ -1056,7 +1056,7 @@
           <a:p>
             <a:fld id="{9660B7EA-EEC1-42A9-A8A7-7334B6F98EB4}" type="datetimeFigureOut">
               <a:rPr lang="ko-KR" altLang="en-US" smtClean="0"/>
-              <a:t>2020-08-03</a:t>
+              <a:t>2020-08-10</a:t>
             </a:fld>
             <a:endParaRPr lang="ko-KR" altLang="en-US"/>
           </a:p>
@@ -1254,7 +1254,7 @@
           <a:p>
             <a:fld id="{9660B7EA-EEC1-42A9-A8A7-7334B6F98EB4}" type="datetimeFigureOut">
               <a:rPr lang="ko-KR" altLang="en-US" smtClean="0"/>
-              <a:t>2020-08-03</a:t>
+              <a:t>2020-08-10</a:t>
             </a:fld>
             <a:endParaRPr lang="ko-KR" altLang="en-US"/>
           </a:p>
@@ -1529,7 +1529,7 @@
           <a:p>
             <a:fld id="{9660B7EA-EEC1-42A9-A8A7-7334B6F98EB4}" type="datetimeFigureOut">
               <a:rPr lang="ko-KR" altLang="en-US" smtClean="0"/>
-              <a:t>2020-08-03</a:t>
+              <a:t>2020-08-10</a:t>
             </a:fld>
             <a:endParaRPr lang="ko-KR" altLang="en-US"/>
           </a:p>
@@ -1794,7 +1794,7 @@
           <a:p>
             <a:fld id="{9660B7EA-EEC1-42A9-A8A7-7334B6F98EB4}" type="datetimeFigureOut">
               <a:rPr lang="ko-KR" altLang="en-US" smtClean="0"/>
-              <a:t>2020-08-03</a:t>
+              <a:t>2020-08-10</a:t>
             </a:fld>
             <a:endParaRPr lang="ko-KR" altLang="en-US"/>
           </a:p>
@@ -2206,7 +2206,7 @@
           <a:p>
             <a:fld id="{9660B7EA-EEC1-42A9-A8A7-7334B6F98EB4}" type="datetimeFigureOut">
               <a:rPr lang="ko-KR" altLang="en-US" smtClean="0"/>
-              <a:t>2020-08-03</a:t>
+              <a:t>2020-08-10</a:t>
             </a:fld>
             <a:endParaRPr lang="ko-KR" altLang="en-US"/>
           </a:p>
@@ -2347,7 +2347,7 @@
           <a:p>
             <a:fld id="{9660B7EA-EEC1-42A9-A8A7-7334B6F98EB4}" type="datetimeFigureOut">
               <a:rPr lang="ko-KR" altLang="en-US" smtClean="0"/>
-              <a:t>2020-08-03</a:t>
+              <a:t>2020-08-10</a:t>
             </a:fld>
             <a:endParaRPr lang="ko-KR" altLang="en-US"/>
           </a:p>
@@ -2460,7 +2460,7 @@
           <a:p>
             <a:fld id="{9660B7EA-EEC1-42A9-A8A7-7334B6F98EB4}" type="datetimeFigureOut">
               <a:rPr lang="ko-KR" altLang="en-US" smtClean="0"/>
-              <a:t>2020-08-03</a:t>
+              <a:t>2020-08-10</a:t>
             </a:fld>
             <a:endParaRPr lang="ko-KR" altLang="en-US"/>
           </a:p>
@@ -2771,7 +2771,7 @@
           <a:p>
             <a:fld id="{9660B7EA-EEC1-42A9-A8A7-7334B6F98EB4}" type="datetimeFigureOut">
               <a:rPr lang="ko-KR" altLang="en-US" smtClean="0"/>
-              <a:t>2020-08-03</a:t>
+              <a:t>2020-08-10</a:t>
             </a:fld>
             <a:endParaRPr lang="ko-KR" altLang="en-US"/>
           </a:p>
@@ -3059,7 +3059,7 @@
           <a:p>
             <a:fld id="{9660B7EA-EEC1-42A9-A8A7-7334B6F98EB4}" type="datetimeFigureOut">
               <a:rPr lang="ko-KR" altLang="en-US" smtClean="0"/>
-              <a:t>2020-08-03</a:t>
+              <a:t>2020-08-10</a:t>
             </a:fld>
             <a:endParaRPr lang="ko-KR" altLang="en-US"/>
           </a:p>
@@ -3306,7 +3306,7 @@
           <a:p>
             <a:fld id="{9660B7EA-EEC1-42A9-A8A7-7334B6F98EB4}" type="datetimeFigureOut">
               <a:rPr lang="ko-KR" altLang="en-US" smtClean="0"/>
-              <a:t>2020-08-03</a:t>
+              <a:t>2020-08-10</a:t>
             </a:fld>
             <a:endParaRPr lang="ko-KR" altLang="en-US"/>
           </a:p>
@@ -6894,7 +6894,15 @@
             </a:r>
             <a:r>
               <a:rPr lang="ko-KR" altLang="en-US" sz="1400" dirty="0"/>
-              <a:t>에 인접한 캐릭터는 상호작용 키와 방향키를 통해서 투사체를 발사할 수 있다</a:t>
+              <a:t>에 인접한 캐릭터는 상호작용 키와 방향키를 </a:t>
+            </a:r>
+            <a:r>
+              <a:rPr lang="ko-KR" altLang="en-US" sz="1400"/>
+              <a:t>통해서 자신을 </a:t>
+            </a:r>
+            <a:r>
+              <a:rPr lang="ko-KR" altLang="en-US" sz="1400" dirty="0"/>
+              <a:t>발사할 수 있다</a:t>
             </a:r>
             <a:r>
               <a:rPr lang="en-US" altLang="ko-KR" sz="1400" dirty="0"/>
@@ -6940,8 +6948,12 @@
               <a:buChar char="Ø"/>
             </a:pPr>
             <a:r>
+              <a:rPr lang="en-US" altLang="ko-KR" sz="1400" dirty="0"/>
+              <a:t>Shot</a:t>
+            </a:r>
+            <a:r>
               <a:rPr lang="ko-KR" altLang="en-US" sz="1400" dirty="0"/>
-              <a:t>투사체는 다른 충돌체와 </a:t>
+              <a:t>은 다른 충돌체와 </a:t>
             </a:r>
             <a:r>
               <a:rPr lang="ko-KR" altLang="en-US" sz="1400" dirty="0" err="1"/>
@@ -7023,8 +7035,12 @@
               <a:buChar char="Ø"/>
             </a:pPr>
             <a:r>
+              <a:rPr lang="en-US" altLang="ko-KR" sz="1400" dirty="0"/>
+              <a:t>Shot</a:t>
+            </a:r>
+            <a:r>
               <a:rPr lang="ko-KR" altLang="en-US" sz="1400" dirty="0"/>
-              <a:t>투사체가 레벨에서 제거될 경우</a:t>
+              <a:t>이 레벨에서 제거될 경우</a:t>
             </a:r>
             <a:r>
               <a:rPr lang="en-US" altLang="ko-KR" sz="1400" dirty="0"/>
@@ -7053,8 +7069,12 @@
               <a:buChar char="Ø"/>
             </a:pPr>
             <a:r>
+              <a:rPr lang="en-US" altLang="ko-KR" sz="1400" dirty="0"/>
+              <a:t>Shot</a:t>
+            </a:r>
+            <a:r>
               <a:rPr lang="ko-KR" altLang="en-US" sz="1400" dirty="0"/>
-              <a:t>투사체는 이동중에는 상호작용을 할 수 없는 상태가 된다</a:t>
+              <a:t>은 발사후에 플레이어와 상호작용을 할 수 없는 상태가 된다</a:t>
             </a:r>
             <a:r>
               <a:rPr lang="en-US" altLang="ko-KR" sz="1400" dirty="0"/>
@@ -16296,13 +16316,34 @@
               <a:rPr lang="ko-KR" altLang="en-US" sz="1400" dirty="0">
                 <a:latin typeface="+mn-ea"/>
               </a:rPr>
-              <a:t>아래는 상호작용 가능한 오브젝트 목록이다</a:t>
+              <a:t>아래는 상호작용 가능한 오브젝트 목록</a:t>
             </a:r>
             <a:r>
               <a:rPr lang="en-US" altLang="ko-KR" sz="1400" dirty="0">
+                <a:solidFill>
+                  <a:schemeClr val="bg1"/>
+                </a:solidFill>
                 <a:latin typeface="+mn-ea"/>
               </a:rPr>
-              <a:t>.</a:t>
+              <a:t>(</a:t>
+            </a:r>
+            <a:r>
+              <a:rPr lang="ko-KR" altLang="en-US" sz="1400" dirty="0">
+                <a:solidFill>
+                  <a:schemeClr val="bg1"/>
+                </a:solidFill>
+                <a:latin typeface="+mn-ea"/>
+              </a:rPr>
+              <a:t>링크</a:t>
+            </a:r>
+            <a:r>
+              <a:rPr lang="en-US" altLang="ko-KR" sz="1400" dirty="0">
+                <a:solidFill>
+                  <a:schemeClr val="bg1"/>
+                </a:solidFill>
+                <a:latin typeface="+mn-ea"/>
+              </a:rPr>
+              <a:t>)</a:t>
             </a:r>
           </a:p>
         </p:txBody>
@@ -16339,7 +16380,32 @@
           </a:bodyPr>
           <a:lstStyle/>
           <a:p>
+            <a:r>
+              <a:rPr lang="en-US" altLang="ko-KR" sz="1400" dirty="0" err="1">
+                <a:solidFill>
+                  <a:schemeClr val="accent1">
+                    <a:lumMod val="40000"/>
+                    <a:lumOff val="60000"/>
+                  </a:schemeClr>
+                </a:solidFill>
+                <a:latin typeface="+mn-ea"/>
+                <a:hlinkClick r:id="rId6" action="ppaction://hlinkpres?slideindex=1&amp;slidetitle=">
+                  <a:extLst>
+                    <a:ext uri="{A12FA001-AC4F-418D-AE19-62706E023703}">
+                      <ahyp:hlinkClr xmlns:ahyp="http://schemas.microsoft.com/office/drawing/2018/hyperlinkcolor" val="tx"/>
+                    </a:ext>
+                  </a:extLst>
+                </a:hlinkClick>
+              </a:rPr>
+              <a:t>Puzzle_DC</a:t>
+            </a:r>
             <a:endParaRPr lang="en-US" altLang="ko-KR" sz="1400" dirty="0">
+              <a:solidFill>
+                <a:schemeClr val="accent1">
+                  <a:lumMod val="40000"/>
+                  <a:lumOff val="60000"/>
+                </a:schemeClr>
+              </a:solidFill>
               <a:latin typeface="+mn-ea"/>
             </a:endParaRPr>
           </a:p>
